--- a/PPT/Python22-C.pptx
+++ b/PPT/Python22-C.pptx
@@ -4516,6 +4516,13 @@
   <p:clrMapOvr>
     <a:masterClrMapping/>
   </p:clrMapOvr>
+  <p:timing>
+    <p:tnLst>
+      <p:par>
+        <p:cTn id="1" dur="indefinite" restart="never" nodeType="tmRoot"/>
+      </p:par>
+    </p:tnLst>
+  </p:timing>
 </p:sld>
 </file>
 
@@ -4613,6 +4620,13 @@
   <p:clrMapOvr>
     <a:masterClrMapping/>
   </p:clrMapOvr>
+  <p:timing>
+    <p:tnLst>
+      <p:par>
+        <p:cTn id="1" dur="indefinite" restart="never" nodeType="tmRoot"/>
+      </p:par>
+    </p:tnLst>
+  </p:timing>
 </p:sld>
 </file>
 
@@ -4649,8 +4663,8 @@
           <a:lstStyle/>
           <a:p>
             <a:r>
-              <a:rPr lang="fr-FR" dirty="0" smtClean="0"/>
-              <a:t>Stub</a:t>
+              <a:rPr lang="fr-FR" dirty="0" err="1" smtClean="0"/>
+              <a:t>Swig</a:t>
             </a:r>
             <a:endParaRPr lang="fr-FR" dirty="0"/>
           </a:p>
@@ -4672,34 +4686,76 @@
           <a:lstStyle/>
           <a:p>
             <a:r>
-              <a:rPr lang="fr-FR" dirty="0" smtClean="0"/>
+              <a:rPr lang="fr-FR" dirty="0"/>
               <a:t>Il est nécessaire d’avoir un stub entre le code C et Python</a:t>
             </a:r>
           </a:p>
           <a:p>
             <a:pPr lvl="1"/>
             <a:r>
-              <a:rPr lang="fr-FR" dirty="0" smtClean="0"/>
+              <a:rPr lang="fr-FR" dirty="0"/>
               <a:t>Simplifie le code</a:t>
             </a:r>
           </a:p>
           <a:p>
             <a:pPr lvl="1"/>
             <a:r>
-              <a:rPr lang="fr-FR" dirty="0" smtClean="0"/>
+              <a:rPr lang="fr-FR" dirty="0"/>
               <a:t>Simplifie les couches hautes</a:t>
             </a:r>
           </a:p>
           <a:p>
             <a:r>
-              <a:rPr lang="fr-FR" dirty="0" smtClean="0"/>
-              <a:t>Possibilité de créer des stubs automatiquement avec </a:t>
+              <a:rPr lang="fr-FR" dirty="0"/>
+              <a:t>Possibilité de créer des </a:t>
+            </a:r>
+            <a:r>
+              <a:rPr lang="fr-FR" dirty="0" err="1" smtClean="0"/>
+              <a:t>proxies</a:t>
             </a:r>
             <a:r>
               <a:rPr lang="fr-FR" smtClean="0"/>
-              <a:t>mypy</a:t>
-            </a:r>
-            <a:endParaRPr lang="fr-FR" dirty="0" smtClean="0"/>
+              <a:t> automatiquement </a:t>
+            </a:r>
+            <a:r>
+              <a:rPr lang="fr-FR" dirty="0"/>
+              <a:t>avec </a:t>
+            </a:r>
+            <a:r>
+              <a:rPr lang="fr-FR" dirty="0" err="1"/>
+              <a:t>Swig</a:t>
+            </a:r>
+            <a:endParaRPr lang="fr-FR" dirty="0"/>
+          </a:p>
+          <a:p>
+            <a:r>
+              <a:rPr lang="fr-FR" dirty="0"/>
+              <a:t>Création automatique avec </a:t>
+            </a:r>
+            <a:r>
+              <a:rPr lang="fr-FR" dirty="0" err="1"/>
+              <a:t>Swig</a:t>
+            </a:r>
+            <a:endParaRPr lang="fr-FR" dirty="0"/>
+          </a:p>
+          <a:p>
+            <a:pPr lvl="1"/>
+            <a:r>
+              <a:rPr lang="fr-FR" dirty="0" err="1"/>
+              <a:t>swig</a:t>
+            </a:r>
+            <a:r>
+              <a:rPr lang="fr-FR" dirty="0"/>
+              <a:t> -python -module jakadi.py </a:t>
+            </a:r>
+            <a:r>
+              <a:rPr lang="fr-FR" dirty="0" err="1"/>
+              <a:t>jakadi.c</a:t>
+            </a:r>
+            <a:endParaRPr lang="fr-FR" dirty="0"/>
+          </a:p>
+          <a:p>
+            <a:endParaRPr lang="fr-FR" dirty="0"/>
           </a:p>
           <a:p>
             <a:endParaRPr lang="fr-FR" dirty="0"/>
@@ -4716,6 +4772,13 @@
   <p:clrMapOvr>
     <a:masterClrMapping/>
   </p:clrMapOvr>
+  <p:timing>
+    <p:tnLst>
+      <p:par>
+        <p:cTn id="1" dur="indefinite" restart="never" nodeType="tmRoot"/>
+      </p:par>
+    </p:tnLst>
+  </p:timing>
 </p:sld>
 </file>
 
